--- a/presentation/ajd.pptx
+++ b/presentation/ajd.pptx
@@ -192,7 +192,7 @@
           <a:p>
             <a:fld id="{DC677B88-2DCB-5546-9740-6084D6A0A7DA}" type="datetimeFigureOut">
               <a:rPr lang="en-US" smtClean="0"/>
-              <a:t>8/12/16</a:t>
+              <a:t>8/13/16</a:t>
             </a:fld>
             <a:endParaRPr lang="en-US"/>
           </a:p>
@@ -725,7 +725,7 @@
           <a:p>
             <a:fld id="{F55A7E84-4931-4E4D-8E2B-ABE4AA8EADD3}" type="datetimeFigureOut">
               <a:rPr lang="en-US" smtClean="0"/>
-              <a:t>8/12/16</a:t>
+              <a:t>8/13/16</a:t>
             </a:fld>
             <a:endParaRPr lang="en-US"/>
           </a:p>
@@ -895,7 +895,7 @@
           <a:p>
             <a:fld id="{F55A7E84-4931-4E4D-8E2B-ABE4AA8EADD3}" type="datetimeFigureOut">
               <a:rPr lang="en-US" smtClean="0"/>
-              <a:t>8/12/16</a:t>
+              <a:t>8/13/16</a:t>
             </a:fld>
             <a:endParaRPr lang="en-US"/>
           </a:p>
@@ -1075,7 +1075,7 @@
           <a:p>
             <a:fld id="{F55A7E84-4931-4E4D-8E2B-ABE4AA8EADD3}" type="datetimeFigureOut">
               <a:rPr lang="en-US" smtClean="0"/>
-              <a:t>8/12/16</a:t>
+              <a:t>8/13/16</a:t>
             </a:fld>
             <a:endParaRPr lang="en-US"/>
           </a:p>
@@ -1245,7 +1245,7 @@
           <a:p>
             <a:fld id="{F55A7E84-4931-4E4D-8E2B-ABE4AA8EADD3}" type="datetimeFigureOut">
               <a:rPr lang="en-US" smtClean="0"/>
-              <a:t>8/12/16</a:t>
+              <a:t>8/13/16</a:t>
             </a:fld>
             <a:endParaRPr lang="en-US"/>
           </a:p>
@@ -1491,7 +1491,7 @@
           <a:p>
             <a:fld id="{F55A7E84-4931-4E4D-8E2B-ABE4AA8EADD3}" type="datetimeFigureOut">
               <a:rPr lang="en-US" smtClean="0"/>
-              <a:t>8/12/16</a:t>
+              <a:t>8/13/16</a:t>
             </a:fld>
             <a:endParaRPr lang="en-US"/>
           </a:p>
@@ -1779,7 +1779,7 @@
           <a:p>
             <a:fld id="{F55A7E84-4931-4E4D-8E2B-ABE4AA8EADD3}" type="datetimeFigureOut">
               <a:rPr lang="en-US" smtClean="0"/>
-              <a:t>8/12/16</a:t>
+              <a:t>8/13/16</a:t>
             </a:fld>
             <a:endParaRPr lang="en-US"/>
           </a:p>
@@ -2201,7 +2201,7 @@
           <a:p>
             <a:fld id="{F55A7E84-4931-4E4D-8E2B-ABE4AA8EADD3}" type="datetimeFigureOut">
               <a:rPr lang="en-US" smtClean="0"/>
-              <a:t>8/12/16</a:t>
+              <a:t>8/13/16</a:t>
             </a:fld>
             <a:endParaRPr lang="en-US"/>
           </a:p>
@@ -2319,7 +2319,7 @@
           <a:p>
             <a:fld id="{F55A7E84-4931-4E4D-8E2B-ABE4AA8EADD3}" type="datetimeFigureOut">
               <a:rPr lang="en-US" smtClean="0"/>
-              <a:t>8/12/16</a:t>
+              <a:t>8/13/16</a:t>
             </a:fld>
             <a:endParaRPr lang="en-US"/>
           </a:p>
@@ -2414,7 +2414,7 @@
           <a:p>
             <a:fld id="{F55A7E84-4931-4E4D-8E2B-ABE4AA8EADD3}" type="datetimeFigureOut">
               <a:rPr lang="en-US" smtClean="0"/>
-              <a:t>8/12/16</a:t>
+              <a:t>8/13/16</a:t>
             </a:fld>
             <a:endParaRPr lang="en-US"/>
           </a:p>
@@ -2691,7 +2691,7 @@
           <a:p>
             <a:fld id="{F55A7E84-4931-4E4D-8E2B-ABE4AA8EADD3}" type="datetimeFigureOut">
               <a:rPr lang="en-US" smtClean="0"/>
-              <a:t>8/12/16</a:t>
+              <a:t>8/13/16</a:t>
             </a:fld>
             <a:endParaRPr lang="en-US"/>
           </a:p>
@@ -2944,7 +2944,7 @@
           <a:p>
             <a:fld id="{F55A7E84-4931-4E4D-8E2B-ABE4AA8EADD3}" type="datetimeFigureOut">
               <a:rPr lang="en-US" smtClean="0"/>
-              <a:t>8/12/16</a:t>
+              <a:t>8/13/16</a:t>
             </a:fld>
             <a:endParaRPr lang="en-US"/>
           </a:p>
@@ -3157,7 +3157,7 @@
           <a:p>
             <a:fld id="{F55A7E84-4931-4E4D-8E2B-ABE4AA8EADD3}" type="datetimeFigureOut">
               <a:rPr lang="en-US" smtClean="0"/>
-              <a:t>8/12/16</a:t>
+              <a:t>8/13/16</a:t>
             </a:fld>
             <a:endParaRPr lang="en-US"/>
           </a:p>
@@ -3893,7 +3893,7 @@
         </p:blipFill>
         <p:spPr>
           <a:xfrm>
-            <a:off x="780596" y="4135217"/>
+            <a:off x="948473" y="4135217"/>
             <a:ext cx="439720" cy="393072"/>
           </a:xfrm>
           <a:prstGeom prst="rect">
@@ -3914,8 +3914,8 @@
         </p:nvSpPr>
         <p:spPr>
           <a:xfrm>
-            <a:off x="35730" y="4703225"/>
-            <a:ext cx="2147815" cy="1754327"/>
+            <a:off x="204374" y="4703225"/>
+            <a:ext cx="2066759" cy="1938992"/>
           </a:xfrm>
           <a:prstGeom prst="rect">
             <a:avLst/>
@@ -3945,6 +3945,19 @@
               </a:rPr>
               <a:t> </a:t>
             </a:r>
+            <a:endParaRPr lang="en-US" sz="1200" u="sng" dirty="0" smtClean="0">
+              <a:solidFill>
+                <a:srgbClr val="000000"/>
+              </a:solidFill>
+            </a:endParaRPr>
+          </a:p>
+          <a:p>
+            <a:pPr algn="ctr"/>
+            <a:endParaRPr lang="en-US" sz="1200" u="sng" dirty="0" smtClean="0">
+              <a:solidFill>
+                <a:srgbClr val="000000"/>
+              </a:solidFill>
+            </a:endParaRPr>
           </a:p>
           <a:p>
             <a:pPr marL="171450" indent="-171450">
@@ -4058,7 +4071,7 @@
         </p:blipFill>
         <p:spPr>
           <a:xfrm>
-            <a:off x="2931031" y="4135217"/>
+            <a:off x="3018619" y="4135217"/>
             <a:ext cx="415406" cy="393073"/>
           </a:xfrm>
           <a:prstGeom prst="rect">
@@ -4079,8 +4092,8 @@
         </p:nvSpPr>
         <p:spPr>
           <a:xfrm>
-            <a:off x="2183545" y="4686397"/>
-            <a:ext cx="1975102" cy="1384995"/>
+            <a:off x="2271133" y="4686397"/>
+            <a:ext cx="1975102" cy="1569660"/>
           </a:xfrm>
           <a:prstGeom prst="rect">
             <a:avLst/>
@@ -4110,6 +4123,19 @@
               </a:rPr>
               <a:t> </a:t>
             </a:r>
+            <a:endParaRPr lang="en-US" sz="1200" u="sng" dirty="0" smtClean="0">
+              <a:solidFill>
+                <a:srgbClr val="000000"/>
+              </a:solidFill>
+            </a:endParaRPr>
+          </a:p>
+          <a:p>
+            <a:pPr algn="ctr"/>
+            <a:endParaRPr lang="en-US" sz="1200" u="sng" dirty="0" smtClean="0">
+              <a:solidFill>
+                <a:srgbClr val="000000"/>
+              </a:solidFill>
+            </a:endParaRPr>
           </a:p>
           <a:p>
             <a:pPr marL="171450" indent="-171450">
@@ -4179,7 +4205,7 @@
         </p:blipFill>
         <p:spPr>
           <a:xfrm>
-            <a:off x="5158412" y="4135217"/>
+            <a:off x="5246000" y="4135217"/>
             <a:ext cx="415406" cy="393073"/>
           </a:xfrm>
           <a:prstGeom prst="rect">
@@ -4200,8 +4226,8 @@
         </p:nvSpPr>
         <p:spPr>
           <a:xfrm>
-            <a:off x="4218904" y="4686397"/>
-            <a:ext cx="2350324" cy="1569660"/>
+            <a:off x="4306492" y="4686397"/>
+            <a:ext cx="2350324" cy="1754327"/>
           </a:xfrm>
           <a:prstGeom prst="rect">
             <a:avLst/>
@@ -4221,8 +4247,24 @@
                   <a:srgbClr val="000000"/>
                 </a:solidFill>
               </a:rPr>
-              <a:t>CODING SCHOOLS</a:t>
-            </a:r>
+              <a:t>CODING </a:t>
+            </a:r>
+            <a:r>
+              <a:rPr lang="en-US" sz="1200" b="1" u="sng" dirty="0" smtClean="0">
+                <a:solidFill>
+                  <a:srgbClr val="000000"/>
+                </a:solidFill>
+              </a:rPr>
+              <a:t>SCHOOLS</a:t>
+            </a:r>
+          </a:p>
+          <a:p>
+            <a:pPr algn="ctr"/>
+            <a:endParaRPr lang="en-US" sz="1200" b="1" u="sng" dirty="0" smtClean="0">
+              <a:solidFill>
+                <a:srgbClr val="000000"/>
+              </a:solidFill>
+            </a:endParaRPr>
           </a:p>
           <a:p>
             <a:pPr marL="171450" indent="-171450">
@@ -4292,7 +4334,7 @@
         </p:blipFill>
         <p:spPr>
           <a:xfrm>
-            <a:off x="7674015" y="4135217"/>
+            <a:off x="7761603" y="4135217"/>
             <a:ext cx="420819" cy="393073"/>
           </a:xfrm>
           <a:prstGeom prst="rect">
@@ -4313,8 +4355,8 @@
         </p:nvSpPr>
         <p:spPr>
           <a:xfrm>
-            <a:off x="6791211" y="4686397"/>
-            <a:ext cx="2259726" cy="1569660"/>
+            <a:off x="6878799" y="4686397"/>
+            <a:ext cx="2259726" cy="1754327"/>
           </a:xfrm>
           <a:prstGeom prst="rect">
             <a:avLst/>
@@ -4334,8 +4376,24 @@
                   <a:srgbClr val="000000"/>
                 </a:solidFill>
               </a:rPr>
-              <a:t>LOCAL BUSINESS'S</a:t>
-            </a:r>
+              <a:t>LOCAL </a:t>
+            </a:r>
+            <a:r>
+              <a:rPr lang="en-US" sz="1200" b="1" u="sng" dirty="0" smtClean="0">
+                <a:solidFill>
+                  <a:srgbClr val="000000"/>
+                </a:solidFill>
+              </a:rPr>
+              <a:t>BUSINESS'S</a:t>
+            </a:r>
+          </a:p>
+          <a:p>
+            <a:pPr algn="ctr"/>
+            <a:endParaRPr lang="en-US" sz="1200" b="1" u="sng" dirty="0" smtClean="0">
+              <a:solidFill>
+                <a:srgbClr val="000000"/>
+              </a:solidFill>
+            </a:endParaRPr>
           </a:p>
           <a:p>
             <a:pPr marL="171450" indent="-171450">

--- a/presentation/ajd.pptx
+++ b/presentation/ajd.pptx
@@ -107,6 +107,22 @@
       </a:defRPr>
     </a:lvl9pPr>
   </p:defaultTextStyle>
+  <p:extLst>
+    <p:ext uri="{EFAFB233-063F-42B5-8137-9DF3F51BA10A}">
+      <p15:sldGuideLst xmlns:p15="http://schemas.microsoft.com/office/powerpoint/2012/main">
+        <p15:guide id="1" orient="horz" pos="2160">
+          <p15:clr>
+            <a:srgbClr val="A4A3A4"/>
+          </p15:clr>
+        </p15:guide>
+        <p15:guide id="2" pos="2880">
+          <p15:clr>
+            <a:srgbClr val="A4A3A4"/>
+          </p15:clr>
+        </p15:guide>
+      </p15:sldGuideLst>
+    </p:ext>
+  </p:extLst>
 </p:presentation>
 </file>
 
@@ -192,7 +208,7 @@
           <a:p>
             <a:fld id="{DC677B88-2DCB-5546-9740-6084D6A0A7DA}" type="datetimeFigureOut">
               <a:rPr lang="en-US" smtClean="0"/>
-              <a:t>8/13/16</a:t>
+              <a:t>8/13/2016</a:t>
             </a:fld>
             <a:endParaRPr lang="en-US"/>
           </a:p>
@@ -725,7 +741,7 @@
           <a:p>
             <a:fld id="{F55A7E84-4931-4E4D-8E2B-ABE4AA8EADD3}" type="datetimeFigureOut">
               <a:rPr lang="en-US" smtClean="0"/>
-              <a:t>8/13/16</a:t>
+              <a:t>8/13/2016</a:t>
             </a:fld>
             <a:endParaRPr lang="en-US"/>
           </a:p>
@@ -895,7 +911,7 @@
           <a:p>
             <a:fld id="{F55A7E84-4931-4E4D-8E2B-ABE4AA8EADD3}" type="datetimeFigureOut">
               <a:rPr lang="en-US" smtClean="0"/>
-              <a:t>8/13/16</a:t>
+              <a:t>8/13/2016</a:t>
             </a:fld>
             <a:endParaRPr lang="en-US"/>
           </a:p>
@@ -1075,7 +1091,7 @@
           <a:p>
             <a:fld id="{F55A7E84-4931-4E4D-8E2B-ABE4AA8EADD3}" type="datetimeFigureOut">
               <a:rPr lang="en-US" smtClean="0"/>
-              <a:t>8/13/16</a:t>
+              <a:t>8/13/2016</a:t>
             </a:fld>
             <a:endParaRPr lang="en-US"/>
           </a:p>
@@ -1245,7 +1261,7 @@
           <a:p>
             <a:fld id="{F55A7E84-4931-4E4D-8E2B-ABE4AA8EADD3}" type="datetimeFigureOut">
               <a:rPr lang="en-US" smtClean="0"/>
-              <a:t>8/13/16</a:t>
+              <a:t>8/13/2016</a:t>
             </a:fld>
             <a:endParaRPr lang="en-US"/>
           </a:p>
@@ -1491,7 +1507,7 @@
           <a:p>
             <a:fld id="{F55A7E84-4931-4E4D-8E2B-ABE4AA8EADD3}" type="datetimeFigureOut">
               <a:rPr lang="en-US" smtClean="0"/>
-              <a:t>8/13/16</a:t>
+              <a:t>8/13/2016</a:t>
             </a:fld>
             <a:endParaRPr lang="en-US"/>
           </a:p>
@@ -1779,7 +1795,7 @@
           <a:p>
             <a:fld id="{F55A7E84-4931-4E4D-8E2B-ABE4AA8EADD3}" type="datetimeFigureOut">
               <a:rPr lang="en-US" smtClean="0"/>
-              <a:t>8/13/16</a:t>
+              <a:t>8/13/2016</a:t>
             </a:fld>
             <a:endParaRPr lang="en-US"/>
           </a:p>
@@ -2201,7 +2217,7 @@
           <a:p>
             <a:fld id="{F55A7E84-4931-4E4D-8E2B-ABE4AA8EADD3}" type="datetimeFigureOut">
               <a:rPr lang="en-US" smtClean="0"/>
-              <a:t>8/13/16</a:t>
+              <a:t>8/13/2016</a:t>
             </a:fld>
             <a:endParaRPr lang="en-US"/>
           </a:p>
@@ -2319,7 +2335,7 @@
           <a:p>
             <a:fld id="{F55A7E84-4931-4E4D-8E2B-ABE4AA8EADD3}" type="datetimeFigureOut">
               <a:rPr lang="en-US" smtClean="0"/>
-              <a:t>8/13/16</a:t>
+              <a:t>8/13/2016</a:t>
             </a:fld>
             <a:endParaRPr lang="en-US"/>
           </a:p>
@@ -2414,7 +2430,7 @@
           <a:p>
             <a:fld id="{F55A7E84-4931-4E4D-8E2B-ABE4AA8EADD3}" type="datetimeFigureOut">
               <a:rPr lang="en-US" smtClean="0"/>
-              <a:t>8/13/16</a:t>
+              <a:t>8/13/2016</a:t>
             </a:fld>
             <a:endParaRPr lang="en-US"/>
           </a:p>
@@ -2691,7 +2707,7 @@
           <a:p>
             <a:fld id="{F55A7E84-4931-4E4D-8E2B-ABE4AA8EADD3}" type="datetimeFigureOut">
               <a:rPr lang="en-US" smtClean="0"/>
-              <a:t>8/13/16</a:t>
+              <a:t>8/13/2016</a:t>
             </a:fld>
             <a:endParaRPr lang="en-US"/>
           </a:p>
@@ -2944,7 +2960,7 @@
           <a:p>
             <a:fld id="{F55A7E84-4931-4E4D-8E2B-ABE4AA8EADD3}" type="datetimeFigureOut">
               <a:rPr lang="en-US" smtClean="0"/>
-              <a:t>8/13/16</a:t>
+              <a:t>8/13/2016</a:t>
             </a:fld>
             <a:endParaRPr lang="en-US"/>
           </a:p>
@@ -3157,7 +3173,7 @@
           <a:p>
             <a:fld id="{F55A7E84-4931-4E4D-8E2B-ABE4AA8EADD3}" type="datetimeFigureOut">
               <a:rPr lang="en-US" smtClean="0"/>
-              <a:t>8/13/16</a:t>
+              <a:t>8/13/2016</a:t>
             </a:fld>
             <a:endParaRPr lang="en-US"/>
           </a:p>
@@ -3945,11 +3961,6 @@
               </a:rPr>
               <a:t> </a:t>
             </a:r>
-            <a:endParaRPr lang="en-US" sz="1200" u="sng" dirty="0" smtClean="0">
-              <a:solidFill>
-                <a:srgbClr val="000000"/>
-              </a:solidFill>
-            </a:endParaRPr>
           </a:p>
           <a:p>
             <a:pPr algn="ctr"/>
@@ -4123,11 +4134,6 @@
               </a:rPr>
               <a:t> </a:t>
             </a:r>
-            <a:endParaRPr lang="en-US" sz="1200" u="sng" dirty="0" smtClean="0">
-              <a:solidFill>
-                <a:srgbClr val="000000"/>
-              </a:solidFill>
-            </a:endParaRPr>
           </a:p>
           <a:p>
             <a:pPr algn="ctr"/>
@@ -4247,15 +4253,7 @@
                   <a:srgbClr val="000000"/>
                 </a:solidFill>
               </a:rPr>
-              <a:t>CODING </a:t>
-            </a:r>
-            <a:r>
-              <a:rPr lang="en-US" sz="1200" b="1" u="sng" dirty="0" smtClean="0">
-                <a:solidFill>
-                  <a:srgbClr val="000000"/>
-                </a:solidFill>
-              </a:rPr>
-              <a:t>SCHOOLS</a:t>
+              <a:t>CODING SCHOOLS</a:t>
             </a:r>
           </a:p>
           <a:p>
@@ -4277,7 +4275,31 @@
                   <a:srgbClr val="000000"/>
                 </a:solidFill>
               </a:rPr>
-              <a:t>Potential (primed)student referrals</a:t>
+              <a:t>Potential (</a:t>
+            </a:r>
+            <a:r>
+              <a:rPr lang="en-US" sz="1200" smtClean="0">
+                <a:solidFill>
+                  <a:srgbClr val="000000"/>
+                </a:solidFill>
+              </a:rPr>
+              <a:t>primed</a:t>
+            </a:r>
+            <a:r>
+              <a:rPr lang="en-US" sz="1200" smtClean="0">
+                <a:solidFill>
+                  <a:srgbClr val="000000"/>
+                </a:solidFill>
+              </a:rPr>
+              <a:t>) student </a:t>
+            </a:r>
+            <a:r>
+              <a:rPr lang="en-US" sz="1200" dirty="0" smtClean="0">
+                <a:solidFill>
+                  <a:srgbClr val="000000"/>
+                </a:solidFill>
+              </a:rPr>
+              <a:t>referrals</a:t>
             </a:r>
           </a:p>
           <a:p>
@@ -4384,8 +4406,13 @@
                   <a:srgbClr val="000000"/>
                 </a:solidFill>
               </a:rPr>
-              <a:t>BUSINESS'S</a:t>
-            </a:r>
+              <a:t>BUSINESSES</a:t>
+            </a:r>
+            <a:endParaRPr lang="en-US" sz="1200" b="1" u="sng" dirty="0" smtClean="0">
+              <a:solidFill>
+                <a:srgbClr val="000000"/>
+              </a:solidFill>
+            </a:endParaRPr>
           </a:p>
           <a:p>
             <a:pPr algn="ctr"/>
@@ -4573,7 +4600,7 @@
   <p:timing>
     <p:tnLst>
       <p:par>
-        <p:cTn xmlns:p14="http://schemas.microsoft.com/office/powerpoint/2010/main" id="1" dur="indefinite" restart="never" nodeType="tmRoot"/>
+        <p:cTn id="1" dur="indefinite" restart="never" nodeType="tmRoot"/>
       </p:par>
     </p:tnLst>
   </p:timing>

--- a/presentation/ajd.pptx
+++ b/presentation/ajd.pptx
@@ -3848,7 +3848,23 @@
                   <a:srgbClr val="000000"/>
                 </a:solidFill>
               </a:rPr>
-              <a:t>Local Coding School tallies on number of “mentorship” representatives helping the community </a:t>
+              <a:t>Local Coding School tallies on </a:t>
+            </a:r>
+            <a:r>
+              <a:rPr lang="en-US" sz="1200" dirty="0" smtClean="0">
+                <a:solidFill>
+                  <a:srgbClr val="000000"/>
+                </a:solidFill>
+              </a:rPr>
+              <a:t>a number </a:t>
+            </a:r>
+            <a:r>
+              <a:rPr lang="en-US" sz="1200" dirty="0" smtClean="0">
+                <a:solidFill>
+                  <a:srgbClr val="000000"/>
+                </a:solidFill>
+              </a:rPr>
+              <a:t>of “mentorship” representatives helping the community </a:t>
             </a:r>
             <a:endParaRPr lang="en-US" sz="1200" dirty="0">
               <a:solidFill>
@@ -4283,15 +4299,7 @@
                   <a:srgbClr val="000000"/>
                 </a:solidFill>
               </a:rPr>
-              <a:t>primed</a:t>
-            </a:r>
-            <a:r>
-              <a:rPr lang="en-US" sz="1200" smtClean="0">
-                <a:solidFill>
-                  <a:srgbClr val="000000"/>
-                </a:solidFill>
-              </a:rPr>
-              <a:t>) student </a:t>
+              <a:t>primed) student </a:t>
             </a:r>
             <a:r>
               <a:rPr lang="en-US" sz="1200" dirty="0" smtClean="0">
@@ -4398,21 +4406,8 @@
                   <a:srgbClr val="000000"/>
                 </a:solidFill>
               </a:rPr>
-              <a:t>LOCAL </a:t>
-            </a:r>
-            <a:r>
-              <a:rPr lang="en-US" sz="1200" b="1" u="sng" dirty="0" smtClean="0">
-                <a:solidFill>
-                  <a:srgbClr val="000000"/>
-                </a:solidFill>
-              </a:rPr>
-              <a:t>BUSINESSES</a:t>
-            </a:r>
-            <a:endParaRPr lang="en-US" sz="1200" b="1" u="sng" dirty="0" smtClean="0">
-              <a:solidFill>
-                <a:srgbClr val="000000"/>
-              </a:solidFill>
-            </a:endParaRPr>
+              <a:t>LOCAL BUSINESSES</a:t>
+            </a:r>
           </a:p>
           <a:p>
             <a:pPr algn="ctr"/>
